--- a/docs/tensorflowjs-workshop.pptx
+++ b/docs/tensorflowjs-workshop.pptx
@@ -23,10 +23,10 @@
     <p:sldId id="547" r:id="rId14"/>
     <p:sldId id="546" r:id="rId15"/>
     <p:sldId id="548" r:id="rId16"/>
-    <p:sldId id="549" r:id="rId17"/>
-    <p:sldId id="550" r:id="rId18"/>
-    <p:sldId id="551" r:id="rId19"/>
-    <p:sldId id="555" r:id="rId20"/>
+    <p:sldId id="556" r:id="rId17"/>
+    <p:sldId id="549" r:id="rId18"/>
+    <p:sldId id="550" r:id="rId19"/>
+    <p:sldId id="551" r:id="rId20"/>
     <p:sldId id="552" r:id="rId21"/>
     <p:sldId id="553" r:id="rId22"/>
     <p:sldId id="533" r:id="rId23"/>
@@ -245,7 +245,7 @@
           <a:p>
             <a:fld id="{CEC5C2D0-C1BA-E54E-BCCA-946CAA47A781}" type="datetimeFigureOut">
               <a:rPr lang="en-US" smtClean="0"/>
-              <a:t>2/27/19</a:t>
+              <a:t>3/5/19</a:t>
             </a:fld>
             <a:endParaRPr lang="en-US"/>
           </a:p>
@@ -411,7 +411,7 @@
             <a:fld id="{E6F7931A-9783-CE41-BB25-1D46C02A6CFD}" type="datetimeFigureOut">
               <a:rPr lang="nl-NL" smtClean="0"/>
               <a:pPr/>
-              <a:t>27-02-19</a:t>
+              <a:t>05-03-19</a:t>
             </a:fld>
             <a:endParaRPr lang="nl-NL"/>
           </a:p>
@@ -843,7 +843,20 @@
             </a:r>
             <a:r>
               <a:rPr lang="en-US" dirty="0" smtClean="0"/>
-              <a:t> met machine learning/AI.</a:t>
+              <a:t> met machine learning/AI</a:t>
+            </a:r>
+            <a:r>
+              <a:rPr lang="en-US" dirty="0" smtClean="0"/>
+              <a:t>.</a:t>
+            </a:r>
+          </a:p>
+          <a:p>
+            <a:endParaRPr lang="en-US" dirty="0" smtClean="0"/>
+          </a:p>
+          <a:p>
+            <a:r>
+              <a:rPr lang="en-US" dirty="0" smtClean="0"/>
+              <a:t>Groningen: Thomas as support</a:t>
             </a:r>
             <a:endParaRPr lang="en-US" dirty="0"/>
           </a:p>
@@ -1508,7 +1521,7 @@
             <a:fld id="{9628BAB3-E715-0147-805F-FD7CB9D0115A}" type="slidenum">
               <a:rPr lang="nl-NL" smtClean="0"/>
               <a:pPr/>
-              <a:t>12</a:t>
+              <a:t>13</a:t>
             </a:fld>
             <a:endParaRPr lang="nl-NL"/>
           </a:p>
@@ -1572,349 +1585,31 @@
           <a:lstStyle/>
           <a:p>
             <a:r>
+              <a:rPr lang="en-US" dirty="0" err="1" smtClean="0"/>
+              <a:t>Invulling</a:t>
+            </a:r>
+            <a:r>
               <a:rPr lang="en-US" dirty="0" smtClean="0"/>
-              <a:t>https://</a:t>
-            </a:r>
+              <a:t> EBS?</a:t>
+            </a:r>
+          </a:p>
+          <a:p>
             <a:r>
               <a:rPr lang="en-US" dirty="0" err="1" smtClean="0"/>
-              <a:t>medium.com</a:t>
-            </a:r>
-            <a:r>
-              <a:rPr lang="en-US" dirty="0" smtClean="0"/>
-              <a:t>/@</a:t>
-            </a:r>
-            <a:r>
-              <a:rPr lang="en-US" dirty="0" err="1" smtClean="0"/>
-              <a:t>timanglade</a:t>
-            </a:r>
-            <a:r>
-              <a:rPr lang="en-US" dirty="0" smtClean="0"/>
-              <a:t>/how-hbos-silicon-valley-built-not-hotdog-with-mobile-tensorflow-keras-react-native-ef03260747f3</a:t>
-            </a:r>
-          </a:p>
-          <a:p>
-            <a:endParaRPr lang="en-US" dirty="0" smtClean="0"/>
-          </a:p>
-          <a:p>
-            <a:pPr marL="0" marR="0" indent="0" algn="l" defTabSz="457200" rtl="0" eaLnBrk="1" fontAlgn="auto" latinLnBrk="0" hangingPunct="1">
-              <a:lnSpc>
-                <a:spcPct val="100000"/>
-              </a:lnSpc>
-              <a:spcBef>
-                <a:spcPts val="0"/>
-              </a:spcBef>
-              <a:spcAft>
-                <a:spcPts val="0"/>
-              </a:spcAft>
-              <a:buClrTx/>
-              <a:buSzTx/>
-              <a:buFontTx/>
-              <a:buNone/>
-              <a:tabLst/>
-              <a:defRPr/>
-            </a:pPr>
-            <a:r>
-              <a:rPr lang="en-US" dirty="0" err="1" smtClean="0">
-                <a:effectLst/>
-              </a:rPr>
-              <a:t>Gebruiken</a:t>
-            </a:r>
-            <a:r>
-              <a:rPr lang="en-US" dirty="0" smtClean="0">
-                <a:effectLst/>
-              </a:rPr>
+              <a:t>Kort</a:t>
+            </a:r>
+            <a:r>
+              <a:rPr lang="en-US" baseline="0" dirty="0" smtClean="0"/>
               <a:t> </a:t>
             </a:r>
             <a:r>
-              <a:rPr lang="en-US" dirty="0" err="1" smtClean="0">
-                <a:effectLst/>
-              </a:rPr>
-              <a:t>als</a:t>
-            </a:r>
-            <a:r>
-              <a:rPr lang="en-US" dirty="0" smtClean="0">
-                <a:effectLst/>
-              </a:rPr>
-              <a:t> </a:t>
-            </a:r>
-            <a:r>
-              <a:rPr lang="en-US" dirty="0" err="1" smtClean="0">
-                <a:effectLst/>
-              </a:rPr>
-              <a:t>voorbeeld</a:t>
-            </a:r>
-            <a:r>
-              <a:rPr lang="en-US" dirty="0" smtClean="0">
-                <a:effectLst/>
-              </a:rPr>
-              <a:t> </a:t>
-            </a:r>
-            <a:r>
-              <a:rPr lang="en-US" dirty="0" err="1" smtClean="0">
-                <a:effectLst/>
-              </a:rPr>
-              <a:t>tussen</a:t>
-            </a:r>
-            <a:r>
-              <a:rPr lang="en-US" dirty="0" smtClean="0">
-                <a:effectLst/>
-              </a:rPr>
-              <a:t> workshop I &amp; II: </a:t>
-            </a:r>
-            <a:r>
-              <a:rPr lang="en-US" dirty="0" err="1" smtClean="0">
-                <a:effectLst/>
-              </a:rPr>
-              <a:t>nothotdog</a:t>
-            </a:r>
-            <a:r>
-              <a:rPr lang="en-US" dirty="0" smtClean="0">
-                <a:effectLst/>
-              </a:rPr>
-              <a:t> </a:t>
-            </a:r>
-            <a:r>
-              <a:rPr lang="en-US" dirty="0" err="1" smtClean="0">
-                <a:effectLst/>
-              </a:rPr>
-              <a:t>laten</a:t>
-            </a:r>
-            <a:r>
-              <a:rPr lang="en-US" dirty="0" smtClean="0">
-                <a:effectLst/>
-              </a:rPr>
-              <a:t> </a:t>
-            </a:r>
-            <a:r>
-              <a:rPr lang="en-US" dirty="0" err="1" smtClean="0">
-                <a:effectLst/>
-              </a:rPr>
-              <a:t>zien</a:t>
-            </a:r>
-            <a:r>
-              <a:rPr lang="en-US" dirty="0" smtClean="0">
-                <a:effectLst/>
-              </a:rPr>
-              <a:t>, </a:t>
-            </a:r>
-            <a:r>
-              <a:rPr lang="en-US" dirty="0" err="1" smtClean="0">
-                <a:effectLst/>
-              </a:rPr>
-              <a:t>bespreken</a:t>
-            </a:r>
-            <a:r>
-              <a:rPr lang="en-US" dirty="0" smtClean="0">
-                <a:effectLst/>
-              </a:rPr>
-              <a:t> hoe het </a:t>
-            </a:r>
-            <a:r>
-              <a:rPr lang="en-US" dirty="0" err="1" smtClean="0">
-                <a:effectLst/>
-              </a:rPr>
-              <a:t>opgebouwd</a:t>
-            </a:r>
-            <a:r>
-              <a:rPr lang="en-US" dirty="0" smtClean="0">
-                <a:effectLst/>
-              </a:rPr>
-              <a:t> is </a:t>
-            </a:r>
-            <a:r>
-              <a:rPr lang="en-US" dirty="0" err="1" smtClean="0">
-                <a:effectLst/>
-              </a:rPr>
-              <a:t>en</a:t>
-            </a:r>
-            <a:r>
-              <a:rPr lang="en-US" dirty="0" smtClean="0">
-                <a:effectLst/>
-              </a:rPr>
-              <a:t> hoe je </a:t>
-            </a:r>
-            <a:r>
-              <a:rPr lang="en-US" dirty="0" err="1" smtClean="0">
-                <a:effectLst/>
-              </a:rPr>
-              <a:t>een</a:t>
-            </a:r>
-            <a:r>
-              <a:rPr lang="en-US" dirty="0" smtClean="0">
-                <a:effectLst/>
-              </a:rPr>
-              <a:t> </a:t>
-            </a:r>
-            <a:r>
-              <a:rPr lang="en-US" dirty="0" err="1" smtClean="0">
-                <a:effectLst/>
-              </a:rPr>
-              <a:t>soortgelijk</a:t>
-            </a:r>
-            <a:r>
-              <a:rPr lang="en-US" dirty="0" smtClean="0">
-                <a:effectLst/>
-              </a:rPr>
-              <a:t> </a:t>
-            </a:r>
-            <a:r>
-              <a:rPr lang="en-US" dirty="0" err="1" smtClean="0">
-                <a:effectLst/>
-              </a:rPr>
-              <a:t>iets</a:t>
-            </a:r>
-            <a:r>
-              <a:rPr lang="en-US" dirty="0" smtClean="0">
-                <a:effectLst/>
-              </a:rPr>
-              <a:t> </a:t>
-            </a:r>
-            <a:r>
-              <a:rPr lang="en-US" dirty="0" err="1" smtClean="0">
-                <a:effectLst/>
-              </a:rPr>
-              <a:t>kunt</a:t>
-            </a:r>
-            <a:r>
-              <a:rPr lang="en-US" dirty="0" smtClean="0">
-                <a:effectLst/>
-              </a:rPr>
-              <a:t> </a:t>
-            </a:r>
-            <a:r>
-              <a:rPr lang="en-US" dirty="0" err="1" smtClean="0">
-                <a:effectLst/>
-              </a:rPr>
-              <a:t>opzetten</a:t>
-            </a:r>
-            <a:r>
-              <a:rPr lang="en-US" dirty="0" smtClean="0">
-                <a:effectLst/>
-              </a:rPr>
-              <a:t> met </a:t>
-            </a:r>
-            <a:r>
-              <a:rPr lang="en-US" dirty="0" err="1" smtClean="0">
-                <a:effectLst/>
-              </a:rPr>
-              <a:t>tensorflow.js</a:t>
-            </a:r>
-            <a:r>
-              <a:rPr lang="en-US" dirty="0" smtClean="0">
-                <a:effectLst/>
-              </a:rPr>
-              <a:t> (</a:t>
-            </a:r>
-            <a:r>
-              <a:rPr lang="en-US" dirty="0" err="1" smtClean="0">
-                <a:effectLst/>
-              </a:rPr>
-              <a:t>keras</a:t>
-            </a:r>
-            <a:r>
-              <a:rPr lang="en-US" dirty="0" smtClean="0">
-                <a:effectLst/>
-              </a:rPr>
-              <a:t> model </a:t>
-            </a:r>
-            <a:r>
-              <a:rPr lang="en-US" dirty="0" err="1" smtClean="0">
-                <a:effectLst/>
-              </a:rPr>
-              <a:t>maken</a:t>
-            </a:r>
-            <a:r>
-              <a:rPr lang="en-US" dirty="0" smtClean="0">
-                <a:effectLst/>
-              </a:rPr>
-              <a:t> op PC, </a:t>
-            </a:r>
-            <a:r>
-              <a:rPr lang="en-US" dirty="0" err="1" smtClean="0">
-                <a:effectLst/>
-              </a:rPr>
-              <a:t>importeren</a:t>
-            </a:r>
-            <a:r>
-              <a:rPr lang="en-US" dirty="0" smtClean="0">
-                <a:effectLst/>
-              </a:rPr>
-              <a:t> in </a:t>
-            </a:r>
-            <a:r>
-              <a:rPr lang="en-US" dirty="0" err="1" smtClean="0">
-                <a:effectLst/>
-              </a:rPr>
-              <a:t>tensorflow.js</a:t>
-            </a:r>
-            <a:r>
-              <a:rPr lang="en-US" dirty="0" smtClean="0">
-                <a:effectLst/>
-              </a:rPr>
-              <a:t> </a:t>
-            </a:r>
-            <a:r>
-              <a:rPr lang="en-US" dirty="0" err="1" smtClean="0">
-                <a:effectLst/>
-              </a:rPr>
-              <a:t>voor</a:t>
-            </a:r>
-            <a:r>
-              <a:rPr lang="en-US" dirty="0" smtClean="0">
-                <a:effectLst/>
-              </a:rPr>
-              <a:t> </a:t>
-            </a:r>
-            <a:r>
-              <a:rPr lang="en-US" dirty="0" err="1" smtClean="0">
-                <a:effectLst/>
-              </a:rPr>
-              <a:t>lokale</a:t>
-            </a:r>
-            <a:r>
-              <a:rPr lang="en-US" dirty="0" smtClean="0">
-                <a:effectLst/>
-              </a:rPr>
-              <a:t>, </a:t>
-            </a:r>
-            <a:r>
-              <a:rPr lang="en-US" dirty="0" err="1" smtClean="0">
-                <a:effectLst/>
-              </a:rPr>
-              <a:t>snelle</a:t>
-            </a:r>
-            <a:r>
-              <a:rPr lang="en-US" dirty="0" smtClean="0">
-                <a:effectLst/>
-              </a:rPr>
-              <a:t>, </a:t>
-            </a:r>
-            <a:r>
-              <a:rPr lang="en-US" dirty="0" err="1" smtClean="0">
-                <a:effectLst/>
-              </a:rPr>
-              <a:t>verwerking</a:t>
-            </a:r>
-            <a:r>
-              <a:rPr lang="en-US" dirty="0" smtClean="0">
-                <a:effectLst/>
-              </a:rPr>
-              <a:t> </a:t>
-            </a:r>
-            <a:r>
-              <a:rPr lang="mr-IN" dirty="0" smtClean="0">
-                <a:effectLst/>
-              </a:rPr>
-              <a:t>–</a:t>
-            </a:r>
-            <a:r>
-              <a:rPr lang="en-US" dirty="0" smtClean="0">
-                <a:effectLst/>
-              </a:rPr>
-              <a:t> best of both worlds).</a:t>
-            </a:r>
-          </a:p>
-          <a:p>
+              <a:rPr lang="en-US" baseline="0" dirty="0" err="1" smtClean="0"/>
+              <a:t>praatje</a:t>
+            </a:r>
+            <a:r>
+              <a:rPr lang="en-US" baseline="0" dirty="0" smtClean="0"/>
+              <a:t>/demo?</a:t>
+            </a:r>
             <a:endParaRPr lang="en-US" dirty="0"/>
           </a:p>
         </p:txBody>
@@ -1937,117 +1632,6 @@
             <a:fld id="{9628BAB3-E715-0147-805F-FD7CB9D0115A}" type="slidenum">
               <a:rPr lang="nl-NL" smtClean="0"/>
               <a:pPr/>
-              <a:t>13</a:t>
-            </a:fld>
-            <a:endParaRPr lang="nl-NL"/>
-          </a:p>
-        </p:txBody>
-      </p:sp>
-    </p:spTree>
-    <p:extLst>
-      <p:ext uri="{BB962C8B-B14F-4D97-AF65-F5344CB8AC3E}">
-        <p14:creationId xmlns:p14="http://schemas.microsoft.com/office/powerpoint/2010/main" val="431650844"/>
-      </p:ext>
-    </p:extLst>
-  </p:cSld>
-  <p:clrMapOvr>
-    <a:masterClrMapping/>
-  </p:clrMapOvr>
-</p:notes>
-</file>
-
-<file path=ppt/notesSlides/notesSlide12.xml><?xml version="1.0" encoding="utf-8"?>
-<p:notes xmlns:a="http://schemas.openxmlformats.org/drawingml/2006/main" xmlns:r="http://schemas.openxmlformats.org/officeDocument/2006/relationships" xmlns:p="http://schemas.openxmlformats.org/presentationml/2006/main">
-  <p:cSld>
-    <p:spTree>
-      <p:nvGrpSpPr>
-        <p:cNvPr id="1" name=""/>
-        <p:cNvGrpSpPr/>
-        <p:nvPr/>
-      </p:nvGrpSpPr>
-      <p:grpSpPr>
-        <a:xfrm>
-          <a:off x="0" y="0"/>
-          <a:ext cx="0" cy="0"/>
-          <a:chOff x="0" y="0"/>
-          <a:chExt cx="0" cy="0"/>
-        </a:xfrm>
-      </p:grpSpPr>
-      <p:sp>
-        <p:nvSpPr>
-          <p:cNvPr id="2" name="Slide Image Placeholder 1"/>
-          <p:cNvSpPr>
-            <a:spLocks noGrp="1" noRot="1" noChangeAspect="1"/>
-          </p:cNvSpPr>
-          <p:nvPr>
-            <p:ph type="sldImg"/>
-          </p:nvPr>
-        </p:nvSpPr>
-        <p:spPr/>
-      </p:sp>
-      <p:sp>
-        <p:nvSpPr>
-          <p:cNvPr id="3" name="Notes Placeholder 2"/>
-          <p:cNvSpPr>
-            <a:spLocks noGrp="1"/>
-          </p:cNvSpPr>
-          <p:nvPr>
-            <p:ph type="body" idx="1"/>
-          </p:nvPr>
-        </p:nvSpPr>
-        <p:spPr/>
-        <p:txBody>
-          <a:bodyPr/>
-          <a:lstStyle/>
-          <a:p>
-            <a:r>
-              <a:rPr lang="en-US" dirty="0" err="1" smtClean="0"/>
-              <a:t>Invulling</a:t>
-            </a:r>
-            <a:r>
-              <a:rPr lang="en-US" dirty="0" smtClean="0"/>
-              <a:t> EBS?</a:t>
-            </a:r>
-          </a:p>
-          <a:p>
-            <a:r>
-              <a:rPr lang="en-US" dirty="0" err="1" smtClean="0"/>
-              <a:t>Kort</a:t>
-            </a:r>
-            <a:r>
-              <a:rPr lang="en-US" baseline="0" dirty="0" smtClean="0"/>
-              <a:t> </a:t>
-            </a:r>
-            <a:r>
-              <a:rPr lang="en-US" baseline="0" dirty="0" err="1" smtClean="0"/>
-              <a:t>praatje</a:t>
-            </a:r>
-            <a:r>
-              <a:rPr lang="en-US" baseline="0" dirty="0" smtClean="0"/>
-              <a:t>/demo?</a:t>
-            </a:r>
-            <a:endParaRPr lang="en-US" dirty="0"/>
-          </a:p>
-        </p:txBody>
-      </p:sp>
-      <p:sp>
-        <p:nvSpPr>
-          <p:cNvPr id="4" name="Slide Number Placeholder 3"/>
-          <p:cNvSpPr>
-            <a:spLocks noGrp="1"/>
-          </p:cNvSpPr>
-          <p:nvPr>
-            <p:ph type="sldNum" sz="quarter" idx="10"/>
-          </p:nvPr>
-        </p:nvSpPr>
-        <p:spPr/>
-        <p:txBody>
-          <a:bodyPr/>
-          <a:lstStyle/>
-          <a:p>
-            <a:fld id="{9628BAB3-E715-0147-805F-FD7CB9D0115A}" type="slidenum">
-              <a:rPr lang="nl-NL" smtClean="0"/>
-              <a:pPr/>
               <a:t>14</a:t>
             </a:fld>
             <a:endParaRPr lang="nl-NL"/>
@@ -2067,7 +1651,7 @@
 </p:notes>
 </file>
 
-<file path=ppt/notesSlides/notesSlide13.xml><?xml version="1.0" encoding="utf-8"?>
+<file path=ppt/notesSlides/notesSlide12.xml><?xml version="1.0" encoding="utf-8"?>
 <p:notes xmlns:a="http://schemas.openxmlformats.org/drawingml/2006/main" xmlns:r="http://schemas.openxmlformats.org/officeDocument/2006/relationships" xmlns:p="http://schemas.openxmlformats.org/presentationml/2006/main">
   <p:cSld>
     <p:spTree>
@@ -4811,7 +4395,7 @@
             <a:fld id="{9628BAB3-E715-0147-805F-FD7CB9D0115A}" type="slidenum">
               <a:rPr lang="nl-NL" smtClean="0"/>
               <a:pPr/>
-              <a:t>10</a:t>
+              <a:t>11</a:t>
             </a:fld>
             <a:endParaRPr lang="nl-NL"/>
           </a:p>
@@ -4984,7 +4568,7 @@
             <a:fld id="{9628BAB3-E715-0147-805F-FD7CB9D0115A}" type="slidenum">
               <a:rPr lang="nl-NL" smtClean="0"/>
               <a:pPr/>
-              <a:t>11</a:t>
+              <a:t>12</a:t>
             </a:fld>
             <a:endParaRPr lang="nl-NL"/>
           </a:p>
@@ -5025,7 +4609,7 @@
           <p:cNvPr id="2" name="Titel 1">
             <a:extLst>
               <a:ext uri="{FF2B5EF4-FFF2-40B4-BE49-F238E27FC236}">
-                <a16:creationId xmlns="" xmlns:a16="http://schemas.microsoft.com/office/drawing/2014/main" id="{511DC156-3B65-484A-84B3-6F83A79F66D9}"/>
+                <a16:creationId xmlns:a16="http://schemas.microsoft.com/office/drawing/2014/main" xmlns="" id="{511DC156-3B65-484A-84B3-6F83A79F66D9}"/>
               </a:ext>
             </a:extLst>
           </p:cNvPr>
@@ -5070,7 +4654,7 @@
           <p:cNvPr id="6" name="Tijdelijke aanduiding voor tekst 5">
             <a:extLst>
               <a:ext uri="{FF2B5EF4-FFF2-40B4-BE49-F238E27FC236}">
-                <a16:creationId xmlns="" xmlns:a16="http://schemas.microsoft.com/office/drawing/2014/main" id="{116DC46E-E41F-0D4B-AA0A-9824C6D38C19}"/>
+                <a16:creationId xmlns:a16="http://schemas.microsoft.com/office/drawing/2014/main" xmlns="" id="{116DC46E-E41F-0D4B-AA0A-9824C6D38C19}"/>
               </a:ext>
             </a:extLst>
           </p:cNvPr>
@@ -5112,7 +4696,7 @@
           <p:cNvPr id="4" name="Afbeelding 3">
             <a:extLst>
               <a:ext uri="{FF2B5EF4-FFF2-40B4-BE49-F238E27FC236}">
-                <a16:creationId xmlns="" xmlns:a16="http://schemas.microsoft.com/office/drawing/2014/main" id="{4CC5E105-16E8-394E-8DD6-4EE5775BC141}"/>
+                <a16:creationId xmlns:a16="http://schemas.microsoft.com/office/drawing/2014/main" xmlns="" id="{4CC5E105-16E8-394E-8DD6-4EE5775BC141}"/>
               </a:ext>
             </a:extLst>
           </p:cNvPr>
@@ -14609,7 +14193,7 @@
           <p:cNvPr id="2" name="Tijdelijke aanduiding voor titel 1">
             <a:extLst>
               <a:ext uri="{FF2B5EF4-FFF2-40B4-BE49-F238E27FC236}">
-                <a16:creationId xmlns="" xmlns:a16="http://schemas.microsoft.com/office/drawing/2014/main" id="{01865421-B783-8649-8FC0-27A99B28F8FA}"/>
+                <a16:creationId xmlns:a16="http://schemas.microsoft.com/office/drawing/2014/main" xmlns="" id="{01865421-B783-8649-8FC0-27A99B28F8FA}"/>
               </a:ext>
             </a:extLst>
           </p:cNvPr>
@@ -14647,7 +14231,7 @@
           <p:cNvPr id="9" name="Tijdelijke aanduiding voor tekst 8">
             <a:extLst>
               <a:ext uri="{FF2B5EF4-FFF2-40B4-BE49-F238E27FC236}">
-                <a16:creationId xmlns="" xmlns:a16="http://schemas.microsoft.com/office/drawing/2014/main" id="{5003CC05-DA86-FE4E-AA5D-587070DCBC53}"/>
+                <a16:creationId xmlns:a16="http://schemas.microsoft.com/office/drawing/2014/main" xmlns="" id="{5003CC05-DA86-FE4E-AA5D-587070DCBC53}"/>
               </a:ext>
             </a:extLst>
           </p:cNvPr>
@@ -14686,7 +14270,7 @@
           <p:cNvPr id="5" name="Picture 4">
             <a:extLst>
               <a:ext uri="{FF2B5EF4-FFF2-40B4-BE49-F238E27FC236}">
-                <a16:creationId xmlns="" xmlns:a16="http://schemas.microsoft.com/office/drawing/2014/main" id="{AB9DEC9F-1DD4-EC48-93C1-8B57516D2A42}"/>
+                <a16:creationId xmlns:a16="http://schemas.microsoft.com/office/drawing/2014/main" xmlns="" id="{AB9DEC9F-1DD4-EC48-93C1-8B57516D2A42}"/>
               </a:ext>
             </a:extLst>
           </p:cNvPr>
@@ -15216,7 +14800,7 @@
           <p:cNvPr id="5" name="Picture 4">
             <a:extLst>
               <a:ext uri="{FF2B5EF4-FFF2-40B4-BE49-F238E27FC236}">
-                <a16:creationId xmlns="" xmlns:a16="http://schemas.microsoft.com/office/drawing/2014/main" id="{32674EE9-CBA3-F14C-A8BB-313013C0A48D}"/>
+                <a16:creationId xmlns:a16="http://schemas.microsoft.com/office/drawing/2014/main" xmlns="" id="{32674EE9-CBA3-F14C-A8BB-313013C0A48D}"/>
               </a:ext>
             </a:extLst>
           </p:cNvPr>
@@ -15554,7 +15138,7 @@
           <p:cNvPr id="4" name="Picture 3">
             <a:extLst>
               <a:ext uri="{FF2B5EF4-FFF2-40B4-BE49-F238E27FC236}">
-                <a16:creationId xmlns="" xmlns:a16="http://schemas.microsoft.com/office/drawing/2014/main" id="{1D055C92-B82D-0940-82A1-7DB0EAFE1681}"/>
+                <a16:creationId xmlns:a16="http://schemas.microsoft.com/office/drawing/2014/main" xmlns="" id="{1D055C92-B82D-0940-82A1-7DB0EAFE1681}"/>
               </a:ext>
             </a:extLst>
           </p:cNvPr>
@@ -16059,7 +15643,7 @@
           <p:cNvPr id="3" name="Picture 2" descr="A close up of a logo&#13;&#10;&#13;&#10;Description automatically generated">
             <a:extLst>
               <a:ext uri="{FF2B5EF4-FFF2-40B4-BE49-F238E27FC236}">
-                <a16:creationId xmlns="" xmlns:a16="http://schemas.microsoft.com/office/drawing/2014/main" id="{2A3D2C84-3F98-3A4F-80C2-8926F156F8DC}"/>
+                <a16:creationId xmlns:a16="http://schemas.microsoft.com/office/drawing/2014/main" xmlns="" id="{2A3D2C84-3F98-3A4F-80C2-8926F156F8DC}"/>
               </a:ext>
             </a:extLst>
           </p:cNvPr>
@@ -16373,7 +15957,7 @@
           <p:cNvPr id="4" name="Titel 3">
             <a:extLst>
               <a:ext uri="{FF2B5EF4-FFF2-40B4-BE49-F238E27FC236}">
-                <a16:creationId xmlns="" xmlns:a16="http://schemas.microsoft.com/office/drawing/2014/main" id="{22EE5541-B86A-E94B-BF75-0C764B7B11DA}"/>
+                <a16:creationId xmlns:a16="http://schemas.microsoft.com/office/drawing/2014/main" xmlns="" id="{22EE5541-B86A-E94B-BF75-0C764B7B11DA}"/>
               </a:ext>
             </a:extLst>
           </p:cNvPr>
@@ -16415,7 +15999,7 @@
           <p:cNvPr id="5" name="Tijdelijke aanduiding voor tekst 4">
             <a:extLst>
               <a:ext uri="{FF2B5EF4-FFF2-40B4-BE49-F238E27FC236}">
-                <a16:creationId xmlns="" xmlns:a16="http://schemas.microsoft.com/office/drawing/2014/main" id="{49C7B9A6-8DB2-374E-9960-9E8E8D82CB2E}"/>
+                <a16:creationId xmlns:a16="http://schemas.microsoft.com/office/drawing/2014/main" xmlns="" id="{49C7B9A6-8DB2-374E-9960-9E8E8D82CB2E}"/>
               </a:ext>
             </a:extLst>
           </p:cNvPr>
@@ -16482,6 +16066,802 @@
       </p:grpSpPr>
       <p:sp>
         <p:nvSpPr>
+          <p:cNvPr id="3" name="Title 2"/>
+          <p:cNvSpPr>
+            <a:spLocks noGrp="1"/>
+          </p:cNvSpPr>
+          <p:nvPr>
+            <p:ph type="title"/>
+          </p:nvPr>
+        </p:nvSpPr>
+        <p:spPr/>
+        <p:txBody>
+          <a:bodyPr/>
+          <a:lstStyle/>
+          <a:p>
+            <a:r>
+              <a:rPr lang="en-GB" dirty="0" smtClean="0"/>
+              <a:t>Workflow</a:t>
+            </a:r>
+            <a:endParaRPr lang="en-GB" dirty="0"/>
+          </a:p>
+        </p:txBody>
+      </p:sp>
+      <p:sp>
+        <p:nvSpPr>
+          <p:cNvPr id="4" name="Rounded Rectangle 3"/>
+          <p:cNvSpPr/>
+          <p:nvPr/>
+        </p:nvSpPr>
+        <p:spPr>
+          <a:xfrm>
+            <a:off x="862445" y="2015836"/>
+            <a:ext cx="1018310" cy="1091046"/>
+          </a:xfrm>
+          <a:prstGeom prst="roundRect">
+            <a:avLst/>
+          </a:prstGeom>
+        </p:spPr>
+        <p:style>
+          <a:lnRef idx="1">
+            <a:schemeClr val="accent1"/>
+          </a:lnRef>
+          <a:fillRef idx="3">
+            <a:schemeClr val="accent1"/>
+          </a:fillRef>
+          <a:effectRef idx="2">
+            <a:schemeClr val="accent1"/>
+          </a:effectRef>
+          <a:fontRef idx="minor">
+            <a:schemeClr val="lt1"/>
+          </a:fontRef>
+        </p:style>
+        <p:txBody>
+          <a:bodyPr rtlCol="0" anchor="ctr"/>
+          <a:lstStyle/>
+          <a:p>
+            <a:pPr algn="ctr"/>
+            <a:r>
+              <a:rPr lang="en-GB" smtClean="0"/>
+              <a:t>Build</a:t>
+            </a:r>
+            <a:endParaRPr lang="en-GB" dirty="0"/>
+          </a:p>
+        </p:txBody>
+      </p:sp>
+      <p:sp>
+        <p:nvSpPr>
+          <p:cNvPr id="5" name="Rounded Rectangle 4"/>
+          <p:cNvSpPr/>
+          <p:nvPr/>
+        </p:nvSpPr>
+        <p:spPr>
+          <a:xfrm>
+            <a:off x="2338319" y="2015836"/>
+            <a:ext cx="1018310" cy="1091046"/>
+          </a:xfrm>
+          <a:prstGeom prst="roundRect">
+            <a:avLst/>
+          </a:prstGeom>
+        </p:spPr>
+        <p:style>
+          <a:lnRef idx="1">
+            <a:schemeClr val="accent1"/>
+          </a:lnRef>
+          <a:fillRef idx="3">
+            <a:schemeClr val="accent1"/>
+          </a:fillRef>
+          <a:effectRef idx="2">
+            <a:schemeClr val="accent1"/>
+          </a:effectRef>
+          <a:fontRef idx="minor">
+            <a:schemeClr val="lt1"/>
+          </a:fontRef>
+        </p:style>
+        <p:txBody>
+          <a:bodyPr rtlCol="0" anchor="ctr"/>
+          <a:lstStyle/>
+          <a:p>
+            <a:pPr algn="ctr"/>
+            <a:r>
+              <a:rPr lang="en-GB" dirty="0"/>
+              <a:t>T</a:t>
+            </a:r>
+            <a:r>
+              <a:rPr lang="en-GB" dirty="0" smtClean="0"/>
+              <a:t>rain</a:t>
+            </a:r>
+            <a:endParaRPr lang="en-GB" dirty="0"/>
+          </a:p>
+        </p:txBody>
+      </p:sp>
+      <p:sp>
+        <p:nvSpPr>
+          <p:cNvPr id="6" name="Rounded Rectangle 5"/>
+          <p:cNvSpPr/>
+          <p:nvPr/>
+        </p:nvSpPr>
+        <p:spPr>
+          <a:xfrm>
+            <a:off x="3814375" y="2015836"/>
+            <a:ext cx="1018310" cy="1091046"/>
+          </a:xfrm>
+          <a:prstGeom prst="roundRect">
+            <a:avLst/>
+          </a:prstGeom>
+        </p:spPr>
+        <p:style>
+          <a:lnRef idx="1">
+            <a:schemeClr val="accent1"/>
+          </a:lnRef>
+          <a:fillRef idx="3">
+            <a:schemeClr val="accent1"/>
+          </a:fillRef>
+          <a:effectRef idx="2">
+            <a:schemeClr val="accent1"/>
+          </a:effectRef>
+          <a:fontRef idx="minor">
+            <a:schemeClr val="lt1"/>
+          </a:fontRef>
+        </p:style>
+        <p:txBody>
+          <a:bodyPr rtlCol="0" anchor="ctr"/>
+          <a:lstStyle/>
+          <a:p>
+            <a:pPr algn="ctr"/>
+            <a:r>
+              <a:rPr lang="en-GB" dirty="0" smtClean="0"/>
+              <a:t>Test</a:t>
+            </a:r>
+            <a:endParaRPr lang="en-GB" dirty="0"/>
+          </a:p>
+        </p:txBody>
+      </p:sp>
+      <p:sp>
+        <p:nvSpPr>
+          <p:cNvPr id="7" name="Rounded Rectangle 6"/>
+          <p:cNvSpPr/>
+          <p:nvPr/>
+        </p:nvSpPr>
+        <p:spPr>
+          <a:xfrm>
+            <a:off x="5394340" y="2015836"/>
+            <a:ext cx="1018310" cy="1091046"/>
+          </a:xfrm>
+          <a:prstGeom prst="roundRect">
+            <a:avLst/>
+          </a:prstGeom>
+        </p:spPr>
+        <p:style>
+          <a:lnRef idx="0">
+            <a:schemeClr val="accent4"/>
+          </a:lnRef>
+          <a:fillRef idx="3">
+            <a:schemeClr val="accent4"/>
+          </a:fillRef>
+          <a:effectRef idx="3">
+            <a:schemeClr val="accent4"/>
+          </a:effectRef>
+          <a:fontRef idx="minor">
+            <a:schemeClr val="lt1"/>
+          </a:fontRef>
+        </p:style>
+        <p:txBody>
+          <a:bodyPr rtlCol="0" anchor="ctr"/>
+          <a:lstStyle/>
+          <a:p>
+            <a:pPr algn="ctr"/>
+            <a:r>
+              <a:rPr lang="en-GB" i="1" dirty="0" smtClean="0"/>
+              <a:t>Deploy</a:t>
+            </a:r>
+            <a:endParaRPr lang="en-GB" i="1" dirty="0"/>
+          </a:p>
+        </p:txBody>
+      </p:sp>
+      <p:sp>
+        <p:nvSpPr>
+          <p:cNvPr id="8" name="Rounded Rectangle 7"/>
+          <p:cNvSpPr/>
+          <p:nvPr/>
+        </p:nvSpPr>
+        <p:spPr>
+          <a:xfrm>
+            <a:off x="6970181" y="2015836"/>
+            <a:ext cx="1018310" cy="1091046"/>
+          </a:xfrm>
+          <a:prstGeom prst="roundRect">
+            <a:avLst/>
+          </a:prstGeom>
+        </p:spPr>
+        <p:style>
+          <a:lnRef idx="1">
+            <a:schemeClr val="accent1"/>
+          </a:lnRef>
+          <a:fillRef idx="3">
+            <a:schemeClr val="accent1"/>
+          </a:fillRef>
+          <a:effectRef idx="2">
+            <a:schemeClr val="accent1"/>
+          </a:effectRef>
+          <a:fontRef idx="minor">
+            <a:schemeClr val="lt1"/>
+          </a:fontRef>
+        </p:style>
+        <p:txBody>
+          <a:bodyPr rtlCol="0" anchor="ctr"/>
+          <a:lstStyle/>
+          <a:p>
+            <a:pPr algn="ctr"/>
+            <a:r>
+              <a:rPr lang="en-GB" dirty="0" smtClean="0"/>
+              <a:t>Run</a:t>
+            </a:r>
+            <a:endParaRPr lang="en-GB" dirty="0"/>
+          </a:p>
+        </p:txBody>
+      </p:sp>
+      <p:cxnSp>
+        <p:nvCxnSpPr>
+          <p:cNvPr id="10" name="Straight Arrow Connector 9"/>
+          <p:cNvCxnSpPr>
+            <a:stCxn id="4" idx="3"/>
+            <a:endCxn id="5" idx="1"/>
+          </p:cNvCxnSpPr>
+          <p:nvPr/>
+        </p:nvCxnSpPr>
+        <p:spPr>
+          <a:xfrm>
+            <a:off x="1880755" y="2561359"/>
+            <a:ext cx="457564" cy="0"/>
+          </a:xfrm>
+          <a:prstGeom prst="straightConnector1">
+            <a:avLst/>
+          </a:prstGeom>
+          <a:ln>
+            <a:tailEnd type="triangle"/>
+          </a:ln>
+        </p:spPr>
+        <p:style>
+          <a:lnRef idx="2">
+            <a:schemeClr val="accent1"/>
+          </a:lnRef>
+          <a:fillRef idx="0">
+            <a:schemeClr val="accent1"/>
+          </a:fillRef>
+          <a:effectRef idx="1">
+            <a:schemeClr val="accent1"/>
+          </a:effectRef>
+          <a:fontRef idx="minor">
+            <a:schemeClr val="tx1"/>
+          </a:fontRef>
+        </p:style>
+      </p:cxnSp>
+      <p:cxnSp>
+        <p:nvCxnSpPr>
+          <p:cNvPr id="12" name="Straight Arrow Connector 11"/>
+          <p:cNvCxnSpPr>
+            <a:stCxn id="5" idx="3"/>
+            <a:endCxn id="6" idx="1"/>
+          </p:cNvCxnSpPr>
+          <p:nvPr/>
+        </p:nvCxnSpPr>
+        <p:spPr>
+          <a:xfrm>
+            <a:off x="3356629" y="2561359"/>
+            <a:ext cx="457746" cy="0"/>
+          </a:xfrm>
+          <a:prstGeom prst="straightConnector1">
+            <a:avLst/>
+          </a:prstGeom>
+          <a:ln>
+            <a:tailEnd type="triangle"/>
+          </a:ln>
+        </p:spPr>
+        <p:style>
+          <a:lnRef idx="2">
+            <a:schemeClr val="accent1"/>
+          </a:lnRef>
+          <a:fillRef idx="0">
+            <a:schemeClr val="accent1"/>
+          </a:fillRef>
+          <a:effectRef idx="1">
+            <a:schemeClr val="accent1"/>
+          </a:effectRef>
+          <a:fontRef idx="minor">
+            <a:schemeClr val="tx1"/>
+          </a:fontRef>
+        </p:style>
+      </p:cxnSp>
+      <p:cxnSp>
+        <p:nvCxnSpPr>
+          <p:cNvPr id="14" name="Straight Arrow Connector 13"/>
+          <p:cNvCxnSpPr>
+            <a:stCxn id="6" idx="3"/>
+            <a:endCxn id="7" idx="1"/>
+          </p:cNvCxnSpPr>
+          <p:nvPr/>
+        </p:nvCxnSpPr>
+        <p:spPr>
+          <a:xfrm>
+            <a:off x="4832685" y="2561359"/>
+            <a:ext cx="561655" cy="0"/>
+          </a:xfrm>
+          <a:prstGeom prst="straightConnector1">
+            <a:avLst/>
+          </a:prstGeom>
+          <a:ln>
+            <a:tailEnd type="triangle"/>
+          </a:ln>
+        </p:spPr>
+        <p:style>
+          <a:lnRef idx="2">
+            <a:schemeClr val="accent1"/>
+          </a:lnRef>
+          <a:fillRef idx="0">
+            <a:schemeClr val="accent1"/>
+          </a:fillRef>
+          <a:effectRef idx="1">
+            <a:schemeClr val="accent1"/>
+          </a:effectRef>
+          <a:fontRef idx="minor">
+            <a:schemeClr val="tx1"/>
+          </a:fontRef>
+        </p:style>
+      </p:cxnSp>
+      <p:cxnSp>
+        <p:nvCxnSpPr>
+          <p:cNvPr id="16" name="Straight Arrow Connector 15"/>
+          <p:cNvCxnSpPr>
+            <a:endCxn id="8" idx="1"/>
+          </p:cNvCxnSpPr>
+          <p:nvPr/>
+        </p:nvCxnSpPr>
+        <p:spPr>
+          <a:xfrm>
+            <a:off x="6412650" y="2561359"/>
+            <a:ext cx="557531" cy="0"/>
+          </a:xfrm>
+          <a:prstGeom prst="straightConnector1">
+            <a:avLst/>
+          </a:prstGeom>
+          <a:ln>
+            <a:tailEnd type="triangle"/>
+          </a:ln>
+        </p:spPr>
+        <p:style>
+          <a:lnRef idx="2">
+            <a:schemeClr val="accent1"/>
+          </a:lnRef>
+          <a:fillRef idx="0">
+            <a:schemeClr val="accent1"/>
+          </a:fillRef>
+          <a:effectRef idx="1">
+            <a:schemeClr val="accent1"/>
+          </a:effectRef>
+          <a:fontRef idx="minor">
+            <a:schemeClr val="tx1"/>
+          </a:fontRef>
+        </p:style>
+      </p:cxnSp>
+    </p:spTree>
+    <p:extLst>
+      <p:ext uri="{BB962C8B-B14F-4D97-AF65-F5344CB8AC3E}">
+        <p14:creationId xmlns:p14="http://schemas.microsoft.com/office/powerpoint/2010/main" val="932960682"/>
+      </p:ext>
+    </p:extLst>
+  </p:cSld>
+  <p:clrMapOvr>
+    <a:masterClrMapping/>
+  </p:clrMapOvr>
+  <p:timing>
+    <p:tnLst>
+      <p:par>
+        <p:cTn id="1" dur="indefinite" restart="never" nodeType="tmRoot">
+          <p:childTnLst>
+            <p:seq concurrent="1" nextAc="seek">
+              <p:cTn id="2" dur="indefinite" nodeType="mainSeq">
+                <p:childTnLst>
+                  <p:par>
+                    <p:cTn id="3" fill="hold">
+                      <p:stCondLst>
+                        <p:cond delay="indefinite"/>
+                      </p:stCondLst>
+                      <p:childTnLst>
+                        <p:par>
+                          <p:cTn id="4" fill="hold">
+                            <p:stCondLst>
+                              <p:cond delay="0"/>
+                            </p:stCondLst>
+                            <p:childTnLst>
+                              <p:par>
+                                <p:cTn id="5" presetID="1" presetClass="entr" presetSubtype="0" fill="hold" grpId="0" nodeType="clickEffect">
+                                  <p:stCondLst>
+                                    <p:cond delay="0"/>
+                                  </p:stCondLst>
+                                  <p:childTnLst>
+                                    <p:set>
+                                      <p:cBhvr>
+                                        <p:cTn id="6" dur="1" fill="hold">
+                                          <p:stCondLst>
+                                            <p:cond delay="0"/>
+                                          </p:stCondLst>
+                                        </p:cTn>
+                                        <p:tgtEl>
+                                          <p:spTgt spid="4"/>
+                                        </p:tgtEl>
+                                        <p:attrNameLst>
+                                          <p:attrName>style.visibility</p:attrName>
+                                        </p:attrNameLst>
+                                      </p:cBhvr>
+                                      <p:to>
+                                        <p:strVal val="visible"/>
+                                      </p:to>
+                                    </p:set>
+                                  </p:childTnLst>
+                                </p:cTn>
+                              </p:par>
+                            </p:childTnLst>
+                          </p:cTn>
+                        </p:par>
+                      </p:childTnLst>
+                    </p:cTn>
+                  </p:par>
+                  <p:par>
+                    <p:cTn id="7" fill="hold">
+                      <p:stCondLst>
+                        <p:cond delay="indefinite"/>
+                      </p:stCondLst>
+                      <p:childTnLst>
+                        <p:par>
+                          <p:cTn id="8" fill="hold">
+                            <p:stCondLst>
+                              <p:cond delay="0"/>
+                            </p:stCondLst>
+                            <p:childTnLst>
+                              <p:par>
+                                <p:cTn id="9" presetID="1" presetClass="entr" presetSubtype="0" fill="hold" grpId="0" nodeType="clickEffect">
+                                  <p:stCondLst>
+                                    <p:cond delay="0"/>
+                                  </p:stCondLst>
+                                  <p:childTnLst>
+                                    <p:set>
+                                      <p:cBhvr>
+                                        <p:cTn id="10" dur="1" fill="hold">
+                                          <p:stCondLst>
+                                            <p:cond delay="0"/>
+                                          </p:stCondLst>
+                                        </p:cTn>
+                                        <p:tgtEl>
+                                          <p:spTgt spid="5"/>
+                                        </p:tgtEl>
+                                        <p:attrNameLst>
+                                          <p:attrName>style.visibility</p:attrName>
+                                        </p:attrNameLst>
+                                      </p:cBhvr>
+                                      <p:to>
+                                        <p:strVal val="visible"/>
+                                      </p:to>
+                                    </p:set>
+                                  </p:childTnLst>
+                                </p:cTn>
+                              </p:par>
+                              <p:par>
+                                <p:cTn id="11" presetID="1" presetClass="entr" presetSubtype="0" fill="hold" nodeType="withEffect">
+                                  <p:stCondLst>
+                                    <p:cond delay="0"/>
+                                  </p:stCondLst>
+                                  <p:childTnLst>
+                                    <p:set>
+                                      <p:cBhvr>
+                                        <p:cTn id="12" dur="1" fill="hold">
+                                          <p:stCondLst>
+                                            <p:cond delay="0"/>
+                                          </p:stCondLst>
+                                        </p:cTn>
+                                        <p:tgtEl>
+                                          <p:spTgt spid="10"/>
+                                        </p:tgtEl>
+                                        <p:attrNameLst>
+                                          <p:attrName>style.visibility</p:attrName>
+                                        </p:attrNameLst>
+                                      </p:cBhvr>
+                                      <p:to>
+                                        <p:strVal val="visible"/>
+                                      </p:to>
+                                    </p:set>
+                                  </p:childTnLst>
+                                </p:cTn>
+                              </p:par>
+                            </p:childTnLst>
+                          </p:cTn>
+                        </p:par>
+                      </p:childTnLst>
+                    </p:cTn>
+                  </p:par>
+                  <p:par>
+                    <p:cTn id="13" fill="hold">
+                      <p:stCondLst>
+                        <p:cond delay="indefinite"/>
+                      </p:stCondLst>
+                      <p:childTnLst>
+                        <p:par>
+                          <p:cTn id="14" fill="hold">
+                            <p:stCondLst>
+                              <p:cond delay="0"/>
+                            </p:stCondLst>
+                            <p:childTnLst>
+                              <p:par>
+                                <p:cTn id="15" presetID="1" presetClass="entr" presetSubtype="0" fill="hold" grpId="0" nodeType="clickEffect">
+                                  <p:stCondLst>
+                                    <p:cond delay="0"/>
+                                  </p:stCondLst>
+                                  <p:childTnLst>
+                                    <p:set>
+                                      <p:cBhvr>
+                                        <p:cTn id="16" dur="1" fill="hold">
+                                          <p:stCondLst>
+                                            <p:cond delay="0"/>
+                                          </p:stCondLst>
+                                        </p:cTn>
+                                        <p:tgtEl>
+                                          <p:spTgt spid="6"/>
+                                        </p:tgtEl>
+                                        <p:attrNameLst>
+                                          <p:attrName>style.visibility</p:attrName>
+                                        </p:attrNameLst>
+                                      </p:cBhvr>
+                                      <p:to>
+                                        <p:strVal val="visible"/>
+                                      </p:to>
+                                    </p:set>
+                                  </p:childTnLst>
+                                </p:cTn>
+                              </p:par>
+                              <p:par>
+                                <p:cTn id="17" presetID="1" presetClass="entr" presetSubtype="0" fill="hold" nodeType="withEffect">
+                                  <p:stCondLst>
+                                    <p:cond delay="0"/>
+                                  </p:stCondLst>
+                                  <p:childTnLst>
+                                    <p:set>
+                                      <p:cBhvr>
+                                        <p:cTn id="18" dur="1" fill="hold">
+                                          <p:stCondLst>
+                                            <p:cond delay="0"/>
+                                          </p:stCondLst>
+                                        </p:cTn>
+                                        <p:tgtEl>
+                                          <p:spTgt spid="12"/>
+                                        </p:tgtEl>
+                                        <p:attrNameLst>
+                                          <p:attrName>style.visibility</p:attrName>
+                                        </p:attrNameLst>
+                                      </p:cBhvr>
+                                      <p:to>
+                                        <p:strVal val="visible"/>
+                                      </p:to>
+                                    </p:set>
+                                  </p:childTnLst>
+                                </p:cTn>
+                              </p:par>
+                            </p:childTnLst>
+                          </p:cTn>
+                        </p:par>
+                      </p:childTnLst>
+                    </p:cTn>
+                  </p:par>
+                  <p:par>
+                    <p:cTn id="19" fill="hold">
+                      <p:stCondLst>
+                        <p:cond delay="indefinite"/>
+                      </p:stCondLst>
+                      <p:childTnLst>
+                        <p:par>
+                          <p:cTn id="20" fill="hold">
+                            <p:stCondLst>
+                              <p:cond delay="0"/>
+                            </p:stCondLst>
+                            <p:childTnLst>
+                              <p:par>
+                                <p:cTn id="21" presetID="9" presetClass="entr" presetSubtype="0" fill="hold" grpId="0" nodeType="clickEffect">
+                                  <p:stCondLst>
+                                    <p:cond delay="0"/>
+                                  </p:stCondLst>
+                                  <p:childTnLst>
+                                    <p:set>
+                                      <p:cBhvr>
+                                        <p:cTn id="22" dur="1" fill="hold">
+                                          <p:stCondLst>
+                                            <p:cond delay="0"/>
+                                          </p:stCondLst>
+                                        </p:cTn>
+                                        <p:tgtEl>
+                                          <p:spTgt spid="7"/>
+                                        </p:tgtEl>
+                                        <p:attrNameLst>
+                                          <p:attrName>style.visibility</p:attrName>
+                                        </p:attrNameLst>
+                                      </p:cBhvr>
+                                      <p:to>
+                                        <p:strVal val="visible"/>
+                                      </p:to>
+                                    </p:set>
+                                    <p:animEffect transition="in" filter="dissolve">
+                                      <p:cBhvr>
+                                        <p:cTn id="23" dur="500"/>
+                                        <p:tgtEl>
+                                          <p:spTgt spid="7"/>
+                                        </p:tgtEl>
+                                      </p:cBhvr>
+                                    </p:animEffect>
+                                  </p:childTnLst>
+                                </p:cTn>
+                              </p:par>
+                              <p:par>
+                                <p:cTn id="24" presetID="9" presetClass="entr" presetSubtype="0" fill="hold" nodeType="withEffect">
+                                  <p:stCondLst>
+                                    <p:cond delay="0"/>
+                                  </p:stCondLst>
+                                  <p:childTnLst>
+                                    <p:set>
+                                      <p:cBhvr>
+                                        <p:cTn id="25" dur="1" fill="hold">
+                                          <p:stCondLst>
+                                            <p:cond delay="0"/>
+                                          </p:stCondLst>
+                                        </p:cTn>
+                                        <p:tgtEl>
+                                          <p:spTgt spid="14"/>
+                                        </p:tgtEl>
+                                        <p:attrNameLst>
+                                          <p:attrName>style.visibility</p:attrName>
+                                        </p:attrNameLst>
+                                      </p:cBhvr>
+                                      <p:to>
+                                        <p:strVal val="visible"/>
+                                      </p:to>
+                                    </p:set>
+                                    <p:animEffect transition="in" filter="dissolve">
+                                      <p:cBhvr>
+                                        <p:cTn id="26" dur="500"/>
+                                        <p:tgtEl>
+                                          <p:spTgt spid="14"/>
+                                        </p:tgtEl>
+                                      </p:cBhvr>
+                                    </p:animEffect>
+                                  </p:childTnLst>
+                                </p:cTn>
+                              </p:par>
+                            </p:childTnLst>
+                          </p:cTn>
+                        </p:par>
+                      </p:childTnLst>
+                    </p:cTn>
+                  </p:par>
+                  <p:par>
+                    <p:cTn id="27" fill="hold">
+                      <p:stCondLst>
+                        <p:cond delay="indefinite"/>
+                      </p:stCondLst>
+                      <p:childTnLst>
+                        <p:par>
+                          <p:cTn id="28" fill="hold">
+                            <p:stCondLst>
+                              <p:cond delay="0"/>
+                            </p:stCondLst>
+                            <p:childTnLst>
+                              <p:par>
+                                <p:cTn id="29" presetID="1" presetClass="entr" presetSubtype="0" fill="hold" grpId="0" nodeType="clickEffect">
+                                  <p:stCondLst>
+                                    <p:cond delay="0"/>
+                                  </p:stCondLst>
+                                  <p:childTnLst>
+                                    <p:set>
+                                      <p:cBhvr>
+                                        <p:cTn id="30" dur="1" fill="hold">
+                                          <p:stCondLst>
+                                            <p:cond delay="0"/>
+                                          </p:stCondLst>
+                                        </p:cTn>
+                                        <p:tgtEl>
+                                          <p:spTgt spid="8"/>
+                                        </p:tgtEl>
+                                        <p:attrNameLst>
+                                          <p:attrName>style.visibility</p:attrName>
+                                        </p:attrNameLst>
+                                      </p:cBhvr>
+                                      <p:to>
+                                        <p:strVal val="visible"/>
+                                      </p:to>
+                                    </p:set>
+                                  </p:childTnLst>
+                                </p:cTn>
+                              </p:par>
+                              <p:par>
+                                <p:cTn id="31" presetID="1" presetClass="entr" presetSubtype="0" fill="hold" nodeType="withEffect">
+                                  <p:stCondLst>
+                                    <p:cond delay="0"/>
+                                  </p:stCondLst>
+                                  <p:childTnLst>
+                                    <p:set>
+                                      <p:cBhvr>
+                                        <p:cTn id="32" dur="1" fill="hold">
+                                          <p:stCondLst>
+                                            <p:cond delay="0"/>
+                                          </p:stCondLst>
+                                        </p:cTn>
+                                        <p:tgtEl>
+                                          <p:spTgt spid="16"/>
+                                        </p:tgtEl>
+                                        <p:attrNameLst>
+                                          <p:attrName>style.visibility</p:attrName>
+                                        </p:attrNameLst>
+                                      </p:cBhvr>
+                                      <p:to>
+                                        <p:strVal val="visible"/>
+                                      </p:to>
+                                    </p:set>
+                                  </p:childTnLst>
+                                </p:cTn>
+                              </p:par>
+                            </p:childTnLst>
+                          </p:cTn>
+                        </p:par>
+                      </p:childTnLst>
+                    </p:cTn>
+                  </p:par>
+                </p:childTnLst>
+              </p:cTn>
+              <p:prevCondLst>
+                <p:cond evt="onPrev" delay="0">
+                  <p:tgtEl>
+                    <p:sldTgt/>
+                  </p:tgtEl>
+                </p:cond>
+              </p:prevCondLst>
+              <p:nextCondLst>
+                <p:cond evt="onNext" delay="0">
+                  <p:tgtEl>
+                    <p:sldTgt/>
+                  </p:tgtEl>
+                </p:cond>
+              </p:nextCondLst>
+            </p:seq>
+          </p:childTnLst>
+        </p:cTn>
+      </p:par>
+    </p:tnLst>
+    <p:bldLst>
+      <p:bldP spid="4" grpId="0" animBg="1"/>
+      <p:bldP spid="5" grpId="0" animBg="1"/>
+      <p:bldP spid="6" grpId="0" animBg="1"/>
+      <p:bldP spid="7" grpId="0" animBg="1"/>
+      <p:bldP spid="8" grpId="0" animBg="1"/>
+    </p:bldLst>
+  </p:timing>
+</p:sld>
+</file>
+
+<file path=ppt/slides/slide11.xml><?xml version="1.0" encoding="utf-8"?>
+<p:sld xmlns:a="http://schemas.openxmlformats.org/drawingml/2006/main" xmlns:r="http://schemas.openxmlformats.org/officeDocument/2006/relationships" xmlns:p="http://schemas.openxmlformats.org/presentationml/2006/main">
+  <p:cSld>
+    <p:spTree>
+      <p:nvGrpSpPr>
+        <p:cNvPr id="1" name=""/>
+        <p:cNvGrpSpPr/>
+        <p:nvPr/>
+      </p:nvGrpSpPr>
+      <p:grpSpPr>
+        <a:xfrm>
+          <a:off x="0" y="0"/>
+          <a:ext cx="0" cy="0"/>
+          <a:chOff x="0" y="0"/>
+          <a:chExt cx="0" cy="0"/>
+        </a:xfrm>
+      </p:grpSpPr>
+      <p:sp>
+        <p:nvSpPr>
           <p:cNvPr id="2" name="Content Placeholder 1"/>
           <p:cNvSpPr>
             <a:spLocks noGrp="1"/>
@@ -16546,7 +16926,7 @@
 </p:sld>
 </file>
 
-<file path=ppt/slides/slide11.xml><?xml version="1.0" encoding="utf-8"?>
+<file path=ppt/slides/slide12.xml><?xml version="1.0" encoding="utf-8"?>
 <p:sld xmlns:a="http://schemas.openxmlformats.org/drawingml/2006/main" xmlns:r="http://schemas.openxmlformats.org/officeDocument/2006/relationships" xmlns:p="http://schemas.openxmlformats.org/presentationml/2006/main">
   <p:cSld>
     <p:spTree>
@@ -16762,7 +17142,7 @@
 </p:sld>
 </file>
 
-<file path=ppt/slides/slide12.xml><?xml version="1.0" encoding="utf-8"?>
+<file path=ppt/slides/slide13.xml><?xml version="1.0" encoding="utf-8"?>
 <p:sld xmlns:a="http://schemas.openxmlformats.org/drawingml/2006/main" xmlns:r="http://schemas.openxmlformats.org/officeDocument/2006/relationships" xmlns:p="http://schemas.openxmlformats.org/presentationml/2006/main">
   <p:cSld>
     <p:spTree>
@@ -17186,85 +17566,6 @@
 </p:sld>
 </file>
 
-<file path=ppt/slides/slide13.xml><?xml version="1.0" encoding="utf-8"?>
-<p:sld xmlns:a="http://schemas.openxmlformats.org/drawingml/2006/main" xmlns:r="http://schemas.openxmlformats.org/officeDocument/2006/relationships" xmlns:p="http://schemas.openxmlformats.org/presentationml/2006/main">
-  <p:cSld>
-    <p:spTree>
-      <p:nvGrpSpPr>
-        <p:cNvPr id="1" name=""/>
-        <p:cNvGrpSpPr/>
-        <p:nvPr/>
-      </p:nvGrpSpPr>
-      <p:grpSpPr>
-        <a:xfrm>
-          <a:off x="0" y="0"/>
-          <a:ext cx="0" cy="0"/>
-          <a:chOff x="0" y="0"/>
-          <a:chExt cx="0" cy="0"/>
-        </a:xfrm>
-      </p:grpSpPr>
-      <p:sp>
-        <p:nvSpPr>
-          <p:cNvPr id="2" name="Content Placeholder 1"/>
-          <p:cNvSpPr>
-            <a:spLocks noGrp="1"/>
-          </p:cNvSpPr>
-          <p:nvPr>
-            <p:ph idx="1"/>
-          </p:nvPr>
-        </p:nvSpPr>
-        <p:spPr/>
-        <p:txBody>
-          <a:bodyPr/>
-          <a:lstStyle/>
-          <a:p>
-            <a:endParaRPr lang="en-US"/>
-          </a:p>
-        </p:txBody>
-      </p:sp>
-      <p:sp>
-        <p:nvSpPr>
-          <p:cNvPr id="3" name="Title 2"/>
-          <p:cNvSpPr>
-            <a:spLocks noGrp="1"/>
-          </p:cNvSpPr>
-          <p:nvPr>
-            <p:ph type="title"/>
-          </p:nvPr>
-        </p:nvSpPr>
-        <p:spPr/>
-        <p:txBody>
-          <a:bodyPr/>
-          <a:lstStyle/>
-          <a:p>
-            <a:r>
-              <a:rPr lang="en-US" dirty="0" smtClean="0"/>
-              <a:t>Not hotdog</a:t>
-            </a:r>
-            <a:endParaRPr lang="en-US" dirty="0"/>
-          </a:p>
-        </p:txBody>
-      </p:sp>
-    </p:spTree>
-    <p:extLst>
-      <p:ext uri="{BB962C8B-B14F-4D97-AF65-F5344CB8AC3E}">
-        <p14:creationId xmlns:p14="http://schemas.microsoft.com/office/powerpoint/2010/main" val="1183271729"/>
-      </p:ext>
-    </p:extLst>
-  </p:cSld>
-  <p:clrMapOvr>
-    <a:masterClrMapping/>
-  </p:clrMapOvr>
-  <p:timing>
-    <p:tnLst>
-      <p:par>
-        <p:cTn id="1" dur="indefinite" restart="never" nodeType="tmRoot"/>
-      </p:par>
-    </p:tnLst>
-  </p:timing>
-</p:sld>
-</file>
-
 <file path=ppt/slides/slide14.xml><?xml version="1.0" encoding="utf-8"?>
 <p:sld xmlns:a="http://schemas.openxmlformats.org/drawingml/2006/main" xmlns:r="http://schemas.openxmlformats.org/officeDocument/2006/relationships" xmlns:p="http://schemas.openxmlformats.org/presentationml/2006/main">
   <p:cSld>
@@ -17582,7 +17883,7 @@
           <p:cNvPr id="2" name="Tijdelijke aanduiding voor inhoud 1">
             <a:extLst>
               <a:ext uri="{FF2B5EF4-FFF2-40B4-BE49-F238E27FC236}">
-                <a16:creationId xmlns="" xmlns:a16="http://schemas.microsoft.com/office/drawing/2014/main" id="{4B3063DC-6C91-8441-A2E0-E6CB1A4B30E5}"/>
+                <a16:creationId xmlns:a16="http://schemas.microsoft.com/office/drawing/2014/main" xmlns="" id="{4B3063DC-6C91-8441-A2E0-E6CB1A4B30E5}"/>
               </a:ext>
             </a:extLst>
           </p:cNvPr>
@@ -17598,7 +17899,11 @@
           <a:bodyPr/>
           <a:lstStyle/>
           <a:p>
-            <a:endParaRPr lang="nl-NL"/>
+            <a:r>
+              <a:rPr lang="nl-NL" dirty="0" smtClean="0"/>
+              <a:t>Feedback graag!</a:t>
+            </a:r>
+            <a:endParaRPr lang="nl-NL" dirty="0"/>
           </a:p>
         </p:txBody>
       </p:sp>
@@ -17723,7 +18028,7 @@
           <p:cNvPr id="2" name="Tijdelijke aanduiding voor inhoud 1">
             <a:extLst>
               <a:ext uri="{FF2B5EF4-FFF2-40B4-BE49-F238E27FC236}">
-                <a16:creationId xmlns="" xmlns:a16="http://schemas.microsoft.com/office/drawing/2014/main" id="{22F147B2-B1DA-1443-8EB4-3E362F0868F6}"/>
+                <a16:creationId xmlns:a16="http://schemas.microsoft.com/office/drawing/2014/main" xmlns="" id="{22F147B2-B1DA-1443-8EB4-3E362F0868F6}"/>
               </a:ext>
             </a:extLst>
           </p:cNvPr>
@@ -17768,7 +18073,7 @@
           <p:cNvPr id="3" name="Titel 2">
             <a:extLst>
               <a:ext uri="{FF2B5EF4-FFF2-40B4-BE49-F238E27FC236}">
-                <a16:creationId xmlns="" xmlns:a16="http://schemas.microsoft.com/office/drawing/2014/main" id="{201C0BBE-0C66-9740-9097-9B05A2437082}"/>
+                <a16:creationId xmlns:a16="http://schemas.microsoft.com/office/drawing/2014/main" xmlns="" id="{201C0BBE-0C66-9740-9097-9B05A2437082}"/>
               </a:ext>
             </a:extLst>
           </p:cNvPr>
@@ -17821,11 +18126,6 @@
               </a:rPr>
               <a:t>Johan Hutting</a:t>
             </a:r>
-            <a:endParaRPr lang="en-US" sz="2400" dirty="0" smtClean="0">
-              <a:solidFill>
-                <a:srgbClr val="585858"/>
-              </a:solidFill>
-            </a:endParaRPr>
           </a:p>
         </p:txBody>
       </p:sp>
@@ -18293,6 +18593,36 @@
           <a:chExt cx="0" cy="0"/>
         </a:xfrm>
       </p:grpSpPr>
+      <p:pic>
+        <p:nvPicPr>
+          <p:cNvPr id="4" name="Picture 3"/>
+          <p:cNvPicPr>
+            <a:picLocks noChangeAspect="1"/>
+          </p:cNvPicPr>
+          <p:nvPr/>
+        </p:nvPicPr>
+        <p:blipFill>
+          <a:blip r:embed="rId3">
+            <a:extLst>
+              <a:ext uri="{28A0092B-C50C-407E-A947-70E740481C1C}">
+                <a14:useLocalDpi xmlns:a14="http://schemas.microsoft.com/office/drawing/2010/main" val="0"/>
+              </a:ext>
+            </a:extLst>
+          </a:blip>
+          <a:stretch>
+            <a:fillRect/>
+          </a:stretch>
+        </p:blipFill>
+        <p:spPr>
+          <a:xfrm>
+            <a:off x="4889500" y="360853"/>
+            <a:ext cx="3937000" cy="4267200"/>
+          </a:xfrm>
+          <a:prstGeom prst="rect">
+            <a:avLst/>
+          </a:prstGeom>
+        </p:spPr>
+      </p:pic>
       <p:sp>
         <p:nvSpPr>
           <p:cNvPr id="2" name="Content Placeholder 1"/>
@@ -18308,7 +18638,79 @@
           <a:bodyPr/>
           <a:lstStyle/>
           <a:p>
-            <a:endParaRPr lang="en-US"/>
+            <a:r>
+              <a:rPr lang="en-US" dirty="0" err="1" smtClean="0"/>
+              <a:t>Ordina</a:t>
+            </a:r>
+            <a:r>
+              <a:rPr lang="en-US" dirty="0" smtClean="0"/>
+              <a:t> </a:t>
+            </a:r>
+            <a:r>
+              <a:rPr lang="en-US" dirty="0" err="1" smtClean="0"/>
+              <a:t>noord</a:t>
+            </a:r>
+            <a:r>
+              <a:rPr lang="en-US" dirty="0" smtClean="0"/>
+              <a:t> (Groningen)</a:t>
+            </a:r>
+          </a:p>
+          <a:p>
+            <a:r>
+              <a:rPr lang="en-US" dirty="0">
+                <a:hlinkClick r:id="rId4"/>
+              </a:rPr>
+              <a:t>https://www.meetup.com/Groningen-Java-User-Group</a:t>
+            </a:r>
+            <a:r>
+              <a:rPr lang="en-US" dirty="0" smtClean="0">
+                <a:hlinkClick r:id="rId4"/>
+              </a:rPr>
+              <a:t>/</a:t>
+            </a:r>
+            <a:endParaRPr lang="en-US" dirty="0" smtClean="0"/>
+          </a:p>
+          <a:p>
+            <a:r>
+              <a:rPr lang="en-US" dirty="0" smtClean="0"/>
+              <a:t>Open </a:t>
+            </a:r>
+            <a:r>
+              <a:rPr lang="en-US" dirty="0" err="1" smtClean="0"/>
+              <a:t>Innovatiedagen</a:t>
+            </a:r>
+            <a:endParaRPr lang="en-US" dirty="0" smtClean="0"/>
+          </a:p>
+          <a:p>
+            <a:endParaRPr lang="en-US" dirty="0" smtClean="0"/>
+          </a:p>
+          <a:p>
+            <a:endParaRPr lang="en-US" dirty="0"/>
+          </a:p>
+          <a:p>
+            <a:endParaRPr lang="en-US" dirty="0" smtClean="0"/>
+          </a:p>
+          <a:p>
+            <a:endParaRPr lang="en-US" dirty="0" smtClean="0"/>
+          </a:p>
+          <a:p>
+            <a:r>
+              <a:rPr lang="en-US" dirty="0" smtClean="0"/>
+              <a:t>Public</a:t>
+            </a:r>
+            <a:r>
+              <a:rPr lang="en-US" dirty="0" smtClean="0"/>
+              <a:t>: </a:t>
+            </a:r>
+            <a:r>
+              <a:rPr lang="en-US" dirty="0" err="1" smtClean="0"/>
+              <a:t>WelkombijOrdina</a:t>
+            </a:r>
+            <a:r>
+              <a:rPr lang="en-US" dirty="0" smtClean="0"/>
+              <a:t>!</a:t>
+            </a:r>
+            <a:endParaRPr lang="en-US" dirty="0"/>
           </a:p>
         </p:txBody>
       </p:sp>
@@ -19663,8 +20065,23 @@
           <a:p>
             <a:r>
               <a:rPr lang="en-US" dirty="0" smtClean="0"/>
-              <a:t>Runs almost everywhere!</a:t>
-            </a:r>
+              <a:t>Runs almost everywhere</a:t>
+            </a:r>
+            <a:r>
+              <a:rPr lang="en-US" dirty="0" smtClean="0"/>
+              <a:t>!</a:t>
+            </a:r>
+          </a:p>
+          <a:p>
+            <a:r>
+              <a:rPr lang="en-US" dirty="0" smtClean="0"/>
+              <a:t>Local </a:t>
+            </a:r>
+            <a:r>
+              <a:rPr lang="en-US" smtClean="0"/>
+              <a:t>data storage, no need to deploy</a:t>
+            </a:r>
+            <a:endParaRPr lang="en-US" dirty="0" smtClean="0"/>
           </a:p>
           <a:p>
             <a:endParaRPr lang="en-US" dirty="0"/>
@@ -19957,6 +20374,55 @@
                       </p:childTnLst>
                     </p:cTn>
                   </p:par>
+                  <p:par>
+                    <p:cTn id="23" fill="hold">
+                      <p:stCondLst>
+                        <p:cond delay="indefinite"/>
+                      </p:stCondLst>
+                      <p:childTnLst>
+                        <p:par>
+                          <p:cTn id="24" fill="hold">
+                            <p:stCondLst>
+                              <p:cond delay="0"/>
+                            </p:stCondLst>
+                            <p:childTnLst>
+                              <p:par>
+                                <p:cTn id="25" presetID="1" presetClass="entr" presetSubtype="0" fill="hold" nodeType="clickEffect">
+                                  <p:stCondLst>
+                                    <p:cond delay="0"/>
+                                  </p:stCondLst>
+                                  <p:childTnLst>
+                                    <p:set>
+                                      <p:cBhvr>
+                                        <p:cTn id="26" dur="1" fill="hold">
+                                          <p:stCondLst>
+                                            <p:cond delay="0"/>
+                                          </p:stCondLst>
+                                        </p:cTn>
+                                        <p:tgtEl>
+                                          <p:spTgt spid="2">
+                                            <p:txEl>
+                                              <p:pRg st="5" end="5"/>
+                                            </p:txEl>
+                                          </p:spTgt>
+                                        </p:tgtEl>
+                                        <p:attrNameLst>
+                                          <p:attrName>style.visibility</p:attrName>
+                                        </p:attrNameLst>
+                                      </p:cBhvr>
+                                      <p:to>
+                                        <p:strVal val="visible"/>
+                                      </p:to>
+                                    </p:set>
+                                  </p:childTnLst>
+                                </p:cTn>
+                              </p:par>
+                            </p:childTnLst>
+                          </p:cTn>
+                        </p:par>
+                      </p:childTnLst>
+                    </p:cTn>
+                  </p:par>
                 </p:childTnLst>
               </p:cTn>
               <p:prevCondLst>
@@ -20076,8 +20542,13 @@
             <a:pPr lvl="1"/>
             <a:r>
               <a:rPr lang="en-US" dirty="0" smtClean="0"/>
-              <a:t>Configuration of your neural  network</a:t>
-            </a:r>
+              <a:t>Configuration of your neural </a:t>
+            </a:r>
+            <a:r>
+              <a:rPr lang="en-US" dirty="0" smtClean="0"/>
+              <a:t>network</a:t>
+            </a:r>
+            <a:endParaRPr lang="en-US" dirty="0" smtClean="0"/>
           </a:p>
           <a:p>
             <a:pPr lvl="1"/>
